--- a/docs/Presentazione fatta male.pptx
+++ b/docs/Presentazione fatta male.pptx
@@ -3997,10 +3997,10 @@
         <a:lstStyle/>
         <a:p>
           <a:r>
-            <a:rPr lang="it-CH"/>
-            <a:t>Scopo</a:t>
+            <a:rPr lang="it-CH" dirty="0"/>
+            <a:t>  Scopo</a:t>
           </a:r>
-          <a:endParaRPr lang="en-US"/>
+          <a:endParaRPr lang="en-US" dirty="0"/>
         </a:p>
       </dgm:t>
     </dgm:pt>
@@ -4071,10 +4071,10 @@
         <a:lstStyle/>
         <a:p>
           <a:r>
-            <a:rPr lang="it-CH"/>
-            <a:t>Procedura</a:t>
+            <a:rPr lang="it-CH" dirty="0"/>
+            <a:t> Procedura</a:t>
           </a:r>
-          <a:endParaRPr lang="en-US"/>
+          <a:endParaRPr lang="en-US" dirty="0"/>
         </a:p>
       </dgm:t>
     </dgm:pt>
@@ -5113,10 +5113,10 @@
             <a:buNone/>
           </a:pPr>
           <a:r>
-            <a:rPr lang="it-CH" sz="2400" kern="1200"/>
-            <a:t>Scopo</a:t>
+            <a:rPr lang="it-CH" sz="2400" kern="1200" dirty="0"/>
+            <a:t>  Scopo</a:t>
           </a:r>
-          <a:endParaRPr lang="en-US" sz="2400" kern="1200"/>
+          <a:endParaRPr lang="en-US" sz="2400" kern="1200" dirty="0"/>
         </a:p>
       </dsp:txBody>
       <dsp:txXfrm>
@@ -5413,10 +5413,10 @@
             <a:buNone/>
           </a:pPr>
           <a:r>
-            <a:rPr lang="it-CH" sz="2400" kern="1200"/>
-            <a:t>Procedura</a:t>
+            <a:rPr lang="it-CH" sz="2400" kern="1200" dirty="0"/>
+            <a:t> Procedura</a:t>
           </a:r>
-          <a:endParaRPr lang="en-US" sz="2400" kern="1200"/>
+          <a:endParaRPr lang="en-US" sz="2400" kern="1200" dirty="0"/>
         </a:p>
       </dsp:txBody>
       <dsp:txXfrm>
@@ -13305,7 +13305,7 @@
             <p:ph idx="1"/>
             <p:extLst>
               <p:ext uri="{D42A27DB-BD31-4B8C-83A1-F6EECF244321}">
-                <p14:modId xmlns:p14="http://schemas.microsoft.com/office/powerpoint/2010/main" val="2075529511"/>
+                <p14:modId xmlns:p14="http://schemas.microsoft.com/office/powerpoint/2010/main" val="629785757"/>
               </p:ext>
             </p:extLst>
           </p:nvPr>
@@ -13987,21 +13987,59 @@
           <a:lstStyle/>
           <a:p>
             <a:r>
-              <a:rPr lang="en-US" sz="2000"/>
+              <a:rPr lang="en-US" sz="2000" dirty="0"/>
               <a:t>Testo monospace</a:t>
             </a:r>
           </a:p>
           <a:p>
             <a:r>
-              <a:rPr lang="en-US" sz="2000"/>
-              <a:t>Disegno centrale che cambia progressivamente</a:t>
+              <a:rPr lang="en-US" sz="2000" dirty="0"/>
+              <a:t>disegno centrale </a:t>
             </a:r>
+            <a:r>
+              <a:rPr lang="en-US" sz="2000" dirty="0" err="1"/>
+              <a:t>che</a:t>
+            </a:r>
+            <a:r>
+              <a:rPr lang="en-US" sz="2000" dirty="0"/>
+              <a:t> cambia </a:t>
+            </a:r>
+            <a:r>
+              <a:rPr lang="en-US" sz="2000" dirty="0" err="1"/>
+              <a:t>progressivamente</a:t>
+            </a:r>
+            <a:endParaRPr lang="en-US" sz="2000" dirty="0"/>
           </a:p>
           <a:p>
             <a:r>
-              <a:rPr lang="en-US" sz="2000"/>
-              <a:t>Liste delle lettere corrette e quelle sbagliate</a:t>
+              <a:rPr lang="en-US" sz="2000" dirty="0" err="1"/>
+              <a:t>Liste</a:t>
             </a:r>
+            <a:r>
+              <a:rPr lang="en-US" sz="2000" dirty="0"/>
+              <a:t> delle </a:t>
+            </a:r>
+            <a:r>
+              <a:rPr lang="en-US" sz="2000" dirty="0" err="1"/>
+              <a:t>lettere</a:t>
+            </a:r>
+            <a:r>
+              <a:rPr lang="en-US" sz="2000" dirty="0"/>
+              <a:t> </a:t>
+            </a:r>
+            <a:r>
+              <a:rPr lang="en-US" sz="2000" dirty="0" err="1"/>
+              <a:t>corrette</a:t>
+            </a:r>
+            <a:r>
+              <a:rPr lang="en-US" sz="2000" dirty="0"/>
+              <a:t> e quelle </a:t>
+            </a:r>
+            <a:r>
+              <a:rPr lang="en-US" sz="2000" dirty="0" err="1"/>
+              <a:t>sbagliate</a:t>
+            </a:r>
+            <a:endParaRPr lang="en-US" sz="2000" dirty="0"/>
           </a:p>
         </p:txBody>
       </p:sp>
@@ -14556,22 +14594,38 @@
           </a:bodyPr>
           <a:lstStyle/>
           <a:p>
+            <a:pPr>
+              <a:buFont typeface="Wingdings" panose="05000000000000000000" pitchFamily="2" charset="2"/>
+              <a:buChar char="§"/>
+            </a:pPr>
             <a:r>
-              <a:rPr lang="en-US" sz="2000"/>
-              <a:t>Due modalità</a:t>
+              <a:rPr lang="en-US" sz="2000" dirty="0"/>
+              <a:t>Due </a:t>
             </a:r>
+            <a:r>
+              <a:rPr lang="en-US" sz="2000" dirty="0" err="1"/>
+              <a:t>modalità</a:t>
+            </a:r>
+            <a:endParaRPr lang="en-US" sz="2000" dirty="0"/>
           </a:p>
           <a:p>
-            <a:pPr lvl="1"/>
+            <a:pPr lvl="1">
+              <a:buFont typeface="Wingdings" panose="05000000000000000000" pitchFamily="2" charset="2"/>
+              <a:buChar char="§"/>
+            </a:pPr>
             <a:r>
-              <a:rPr lang="en-US" sz="2000"/>
+              <a:rPr lang="en-US" sz="2000" dirty="0" err="1"/>
               <a:t>Grafica</a:t>
             </a:r>
+            <a:endParaRPr lang="en-US" sz="2000" dirty="0"/>
           </a:p>
           <a:p>
-            <a:pPr lvl="1"/>
+            <a:pPr lvl="1">
+              <a:buFont typeface="Wingdings" panose="05000000000000000000" pitchFamily="2" charset="2"/>
+              <a:buChar char="§"/>
+            </a:pPr>
             <a:r>
-              <a:rPr lang="en-US" sz="2000"/>
+              <a:rPr lang="en-US" sz="2000" dirty="0"/>
               <a:t>ASCII</a:t>
             </a:r>
           </a:p>
@@ -15240,38 +15294,63 @@
           </a:bodyPr>
           <a:lstStyle/>
           <a:p>
+            <a:pPr>
+              <a:buFont typeface="Courier New" panose="02070309020205020404" pitchFamily="49" charset="0"/>
+              <a:buChar char="o"/>
+            </a:pPr>
             <a:r>
-              <a:rPr lang="it-CH" sz="2000"/>
+              <a:rPr lang="it-CH" sz="2000" dirty="0"/>
               <a:t>Funziona</a:t>
             </a:r>
           </a:p>
           <a:p>
+            <a:pPr>
+              <a:buFont typeface="Courier New" panose="02070309020205020404" pitchFamily="49" charset="0"/>
+              <a:buChar char="o"/>
+            </a:pPr>
             <a:r>
-              <a:rPr lang="it-CH" sz="2000"/>
+              <a:rPr lang="it-CH" sz="2000" dirty="0" err="1"/>
               <a:t>Modalita</a:t>
             </a:r>
+            <a:endParaRPr lang="it-CH" sz="2000" dirty="0"/>
           </a:p>
           <a:p>
+            <a:pPr lvl="1">
+              <a:buFont typeface="Courier New" panose="02070309020205020404" pitchFamily="49" charset="0"/>
+              <a:buChar char="o"/>
+            </a:pPr>
             <a:r>
-              <a:rPr lang="it-CH" sz="2000"/>
+              <a:rPr lang="it-CH" sz="1600" dirty="0"/>
               <a:t>Sia GUI</a:t>
             </a:r>
           </a:p>
           <a:p>
+            <a:pPr lvl="1">
+              <a:buFont typeface="Courier New" panose="02070309020205020404" pitchFamily="49" charset="0"/>
+              <a:buChar char="o"/>
+            </a:pPr>
             <a:r>
-              <a:rPr lang="it-CH" sz="2000"/>
+              <a:rPr lang="it-CH" sz="1600" dirty="0"/>
               <a:t>Che terminale</a:t>
             </a:r>
           </a:p>
           <a:p>
+            <a:pPr>
+              <a:buFont typeface="Courier New" panose="02070309020205020404" pitchFamily="49" charset="0"/>
+              <a:buChar char="o"/>
+            </a:pPr>
             <a:r>
-              <a:rPr lang="it-CH" sz="2000"/>
+              <a:rPr lang="it-CH" sz="2000" dirty="0"/>
               <a:t>Tema dark e light + auto</a:t>
             </a:r>
           </a:p>
           <a:p>
+            <a:pPr>
+              <a:buFont typeface="Courier New" panose="02070309020205020404" pitchFamily="49" charset="0"/>
+              <a:buChar char="o"/>
+            </a:pPr>
             <a:r>
-              <a:rPr lang="it-CH" sz="2000"/>
+              <a:rPr lang="it-CH" sz="2000" dirty="0"/>
               <a:t>compilato</a:t>
             </a:r>
           </a:p>
@@ -15593,7 +15672,7 @@
             <p:ph idx="1"/>
             <p:extLst>
               <p:ext uri="{D42A27DB-BD31-4B8C-83A1-F6EECF244321}">
-                <p14:modId xmlns:p14="http://schemas.microsoft.com/office/powerpoint/2010/main" val="1631549649"/>
+                <p14:modId xmlns:p14="http://schemas.microsoft.com/office/powerpoint/2010/main" val="2513158058"/>
               </p:ext>
             </p:extLst>
           </p:nvPr>
@@ -15605,7 +15684,7 @@
         <a:graphic>
           <a:graphicData uri="http://schemas.openxmlformats.org/drawingml/2006/table">
             <a:tbl>
-              <a:tblPr firstRow="1" bandRow="1">
+              <a:tblPr firstRow="1" firstCol="1" bandRow="1">
                 <a:tableStyleId>{5C22544A-7EE6-4342-B048-85BDC9FD1C3A}</a:tableStyleId>
               </a:tblPr>
               <a:tblGrid>

--- a/docs/Presentazione fatta male.pptx
+++ b/docs/Presentazione fatta male.pptx
@@ -8744,7 +8744,7 @@
           <a:p>
             <a:fld id="{68F4285D-FB69-4A3C-BEE9-50FB77935495}" type="datetimeFigureOut">
               <a:rPr lang="it-CH" smtClean="0"/>
-              <a:t>30.11.2025</a:t>
+              <a:t>05.12.2025</a:t>
             </a:fld>
             <a:endParaRPr lang="it-CH"/>
           </a:p>
@@ -8944,7 +8944,7 @@
           <a:p>
             <a:fld id="{68F4285D-FB69-4A3C-BEE9-50FB77935495}" type="datetimeFigureOut">
               <a:rPr lang="it-CH" smtClean="0"/>
-              <a:t>30.11.2025</a:t>
+              <a:t>05.12.2025</a:t>
             </a:fld>
             <a:endParaRPr lang="it-CH"/>
           </a:p>
@@ -9154,7 +9154,7 @@
           <a:p>
             <a:fld id="{68F4285D-FB69-4A3C-BEE9-50FB77935495}" type="datetimeFigureOut">
               <a:rPr lang="it-CH" smtClean="0"/>
-              <a:t>30.11.2025</a:t>
+              <a:t>05.12.2025</a:t>
             </a:fld>
             <a:endParaRPr lang="it-CH"/>
           </a:p>
@@ -9354,7 +9354,7 @@
           <a:p>
             <a:fld id="{68F4285D-FB69-4A3C-BEE9-50FB77935495}" type="datetimeFigureOut">
               <a:rPr lang="it-CH" smtClean="0"/>
-              <a:t>30.11.2025</a:t>
+              <a:t>05.12.2025</a:t>
             </a:fld>
             <a:endParaRPr lang="it-CH"/>
           </a:p>
@@ -9630,7 +9630,7 @@
           <a:p>
             <a:fld id="{68F4285D-FB69-4A3C-BEE9-50FB77935495}" type="datetimeFigureOut">
               <a:rPr lang="it-CH" smtClean="0"/>
-              <a:t>30.11.2025</a:t>
+              <a:t>05.12.2025</a:t>
             </a:fld>
             <a:endParaRPr lang="it-CH"/>
           </a:p>
@@ -9898,7 +9898,7 @@
           <a:p>
             <a:fld id="{68F4285D-FB69-4A3C-BEE9-50FB77935495}" type="datetimeFigureOut">
               <a:rPr lang="it-CH" smtClean="0"/>
-              <a:t>30.11.2025</a:t>
+              <a:t>05.12.2025</a:t>
             </a:fld>
             <a:endParaRPr lang="it-CH"/>
           </a:p>
@@ -10313,7 +10313,7 @@
           <a:p>
             <a:fld id="{68F4285D-FB69-4A3C-BEE9-50FB77935495}" type="datetimeFigureOut">
               <a:rPr lang="it-CH" smtClean="0"/>
-              <a:t>30.11.2025</a:t>
+              <a:t>05.12.2025</a:t>
             </a:fld>
             <a:endParaRPr lang="it-CH"/>
           </a:p>
@@ -10455,7 +10455,7 @@
           <a:p>
             <a:fld id="{68F4285D-FB69-4A3C-BEE9-50FB77935495}" type="datetimeFigureOut">
               <a:rPr lang="it-CH" smtClean="0"/>
-              <a:t>30.11.2025</a:t>
+              <a:t>05.12.2025</a:t>
             </a:fld>
             <a:endParaRPr lang="it-CH"/>
           </a:p>
@@ -10568,7 +10568,7 @@
           <a:p>
             <a:fld id="{68F4285D-FB69-4A3C-BEE9-50FB77935495}" type="datetimeFigureOut">
               <a:rPr lang="it-CH" smtClean="0"/>
-              <a:t>30.11.2025</a:t>
+              <a:t>05.12.2025</a:t>
             </a:fld>
             <a:endParaRPr lang="it-CH"/>
           </a:p>
@@ -10881,7 +10881,7 @@
           <a:p>
             <a:fld id="{68F4285D-FB69-4A3C-BEE9-50FB77935495}" type="datetimeFigureOut">
               <a:rPr lang="it-CH" smtClean="0"/>
-              <a:t>30.11.2025</a:t>
+              <a:t>05.12.2025</a:t>
             </a:fld>
             <a:endParaRPr lang="it-CH"/>
           </a:p>
@@ -11170,7 +11170,7 @@
           <a:p>
             <a:fld id="{68F4285D-FB69-4A3C-BEE9-50FB77935495}" type="datetimeFigureOut">
               <a:rPr lang="it-CH" smtClean="0"/>
-              <a:t>30.11.2025</a:t>
+              <a:t>05.12.2025</a:t>
             </a:fld>
             <a:endParaRPr lang="it-CH"/>
           </a:p>
@@ -11413,7 +11413,7 @@
           <a:p>
             <a:fld id="{68F4285D-FB69-4A3C-BEE9-50FB77935495}" type="datetimeFigureOut">
               <a:rPr lang="it-CH" smtClean="0"/>
-              <a:t>30.11.2025</a:t>
+              <a:t>05.12.2025</a:t>
             </a:fld>
             <a:endParaRPr lang="it-CH"/>
           </a:p>
@@ -13987,59 +13987,101 @@
           <a:lstStyle/>
           <a:p>
             <a:r>
-              <a:rPr lang="en-US" sz="2000" dirty="0"/>
+              <a:rPr lang="en-US" sz="2000" dirty="0">
+                <a:latin typeface="Arial" panose="020B0604020202020204" pitchFamily="34" charset="0"/>
+                <a:cs typeface="Arial" panose="020B0604020202020204" pitchFamily="34" charset="0"/>
+              </a:rPr>
               <a:t>Testo monospace</a:t>
             </a:r>
           </a:p>
           <a:p>
             <a:r>
-              <a:rPr lang="en-US" sz="2000" dirty="0"/>
+              <a:rPr lang="en-US" sz="2000" dirty="0">
+                <a:latin typeface="Arial" panose="020B0604020202020204" pitchFamily="34" charset="0"/>
+                <a:cs typeface="Arial" panose="020B0604020202020204" pitchFamily="34" charset="0"/>
+              </a:rPr>
               <a:t>disegno centrale </a:t>
             </a:r>
             <a:r>
-              <a:rPr lang="en-US" sz="2000" dirty="0" err="1"/>
+              <a:rPr lang="en-US" sz="2000" dirty="0" err="1">
+                <a:latin typeface="Arial" panose="020B0604020202020204" pitchFamily="34" charset="0"/>
+                <a:cs typeface="Arial" panose="020B0604020202020204" pitchFamily="34" charset="0"/>
+              </a:rPr>
               <a:t>che</a:t>
             </a:r>
             <a:r>
-              <a:rPr lang="en-US" sz="2000" dirty="0"/>
+              <a:rPr lang="en-US" sz="2000" dirty="0">
+                <a:latin typeface="Arial" panose="020B0604020202020204" pitchFamily="34" charset="0"/>
+                <a:cs typeface="Arial" panose="020B0604020202020204" pitchFamily="34" charset="0"/>
+              </a:rPr>
               <a:t> cambia </a:t>
             </a:r>
             <a:r>
-              <a:rPr lang="en-US" sz="2000" dirty="0" err="1"/>
+              <a:rPr lang="en-US" sz="2000" dirty="0" err="1">
+                <a:latin typeface="Arial" panose="020B0604020202020204" pitchFamily="34" charset="0"/>
+                <a:cs typeface="Arial" panose="020B0604020202020204" pitchFamily="34" charset="0"/>
+              </a:rPr>
               <a:t>progressivamente</a:t>
             </a:r>
-            <a:endParaRPr lang="en-US" sz="2000" dirty="0"/>
+            <a:endParaRPr lang="en-US" sz="2000" dirty="0">
+              <a:latin typeface="Arial" panose="020B0604020202020204" pitchFamily="34" charset="0"/>
+              <a:cs typeface="Arial" panose="020B0604020202020204" pitchFamily="34" charset="0"/>
+            </a:endParaRPr>
           </a:p>
           <a:p>
             <a:r>
-              <a:rPr lang="en-US" sz="2000" dirty="0" err="1"/>
+              <a:rPr lang="en-US" sz="2000" dirty="0" err="1">
+                <a:latin typeface="Arial" panose="020B0604020202020204" pitchFamily="34" charset="0"/>
+                <a:cs typeface="Arial" panose="020B0604020202020204" pitchFamily="34" charset="0"/>
+              </a:rPr>
               <a:t>Liste</a:t>
             </a:r>
             <a:r>
-              <a:rPr lang="en-US" sz="2000" dirty="0"/>
+              <a:rPr lang="en-US" sz="2000" dirty="0">
+                <a:latin typeface="Arial" panose="020B0604020202020204" pitchFamily="34" charset="0"/>
+                <a:cs typeface="Arial" panose="020B0604020202020204" pitchFamily="34" charset="0"/>
+              </a:rPr>
               <a:t> delle </a:t>
             </a:r>
             <a:r>
-              <a:rPr lang="en-US" sz="2000" dirty="0" err="1"/>
+              <a:rPr lang="en-US" sz="2000" dirty="0" err="1">
+                <a:latin typeface="Arial" panose="020B0604020202020204" pitchFamily="34" charset="0"/>
+                <a:cs typeface="Arial" panose="020B0604020202020204" pitchFamily="34" charset="0"/>
+              </a:rPr>
               <a:t>lettere</a:t>
             </a:r>
             <a:r>
-              <a:rPr lang="en-US" sz="2000" dirty="0"/>
+              <a:rPr lang="en-US" sz="2000" dirty="0">
+                <a:latin typeface="Arial" panose="020B0604020202020204" pitchFamily="34" charset="0"/>
+                <a:cs typeface="Arial" panose="020B0604020202020204" pitchFamily="34" charset="0"/>
+              </a:rPr>
               <a:t> </a:t>
             </a:r>
             <a:r>
-              <a:rPr lang="en-US" sz="2000" dirty="0" err="1"/>
+              <a:rPr lang="en-US" sz="2000" dirty="0" err="1">
+                <a:latin typeface="Arial" panose="020B0604020202020204" pitchFamily="34" charset="0"/>
+                <a:cs typeface="Arial" panose="020B0604020202020204" pitchFamily="34" charset="0"/>
+              </a:rPr>
               <a:t>corrette</a:t>
             </a:r>
             <a:r>
-              <a:rPr lang="en-US" sz="2000" dirty="0"/>
+              <a:rPr lang="en-US" sz="2000" dirty="0">
+                <a:latin typeface="Arial" panose="020B0604020202020204" pitchFamily="34" charset="0"/>
+                <a:cs typeface="Arial" panose="020B0604020202020204" pitchFamily="34" charset="0"/>
+              </a:rPr>
               <a:t> e quelle </a:t>
             </a:r>
             <a:r>
-              <a:rPr lang="en-US" sz="2000" dirty="0" err="1"/>
+              <a:rPr lang="en-US" sz="2000" dirty="0" err="1">
+                <a:latin typeface="Arial" panose="020B0604020202020204" pitchFamily="34" charset="0"/>
+                <a:cs typeface="Arial" panose="020B0604020202020204" pitchFamily="34" charset="0"/>
+              </a:rPr>
               <a:t>sbagliate</a:t>
             </a:r>
-            <a:endParaRPr lang="en-US" sz="2000" dirty="0"/>
+            <a:endParaRPr lang="en-US" sz="2000" dirty="0">
+              <a:latin typeface="Arial" panose="020B0604020202020204" pitchFamily="34" charset="0"/>
+              <a:cs typeface="Arial" panose="020B0604020202020204" pitchFamily="34" charset="0"/>
+            </a:endParaRPr>
           </a:p>
         </p:txBody>
       </p:sp>
@@ -14599,14 +14641,23 @@
               <a:buChar char="§"/>
             </a:pPr>
             <a:r>
-              <a:rPr lang="en-US" sz="2000" dirty="0"/>
+              <a:rPr lang="en-US" sz="2000" dirty="0">
+                <a:latin typeface="Times New Roman" panose="02020603050405020304" pitchFamily="18" charset="0"/>
+                <a:cs typeface="Times New Roman" panose="02020603050405020304" pitchFamily="18" charset="0"/>
+              </a:rPr>
               <a:t>Due </a:t>
             </a:r>
             <a:r>
-              <a:rPr lang="en-US" sz="2000" dirty="0" err="1"/>
+              <a:rPr lang="en-US" sz="2000" dirty="0" err="1">
+                <a:latin typeface="Times New Roman" panose="02020603050405020304" pitchFamily="18" charset="0"/>
+                <a:cs typeface="Times New Roman" panose="02020603050405020304" pitchFamily="18" charset="0"/>
+              </a:rPr>
               <a:t>modalità</a:t>
             </a:r>
-            <a:endParaRPr lang="en-US" sz="2000" dirty="0"/>
+            <a:endParaRPr lang="en-US" sz="2000" dirty="0">
+              <a:latin typeface="Times New Roman" panose="02020603050405020304" pitchFamily="18" charset="0"/>
+              <a:cs typeface="Times New Roman" panose="02020603050405020304" pitchFamily="18" charset="0"/>
+            </a:endParaRPr>
           </a:p>
           <a:p>
             <a:pPr lvl="1">
@@ -14614,10 +14665,16 @@
               <a:buChar char="§"/>
             </a:pPr>
             <a:r>
-              <a:rPr lang="en-US" sz="2000" dirty="0" err="1"/>
+              <a:rPr lang="en-US" sz="2000" dirty="0" err="1">
+                <a:latin typeface="Times New Roman" panose="02020603050405020304" pitchFamily="18" charset="0"/>
+                <a:cs typeface="Times New Roman" panose="02020603050405020304" pitchFamily="18" charset="0"/>
+              </a:rPr>
               <a:t>Grafica</a:t>
             </a:r>
-            <a:endParaRPr lang="en-US" sz="2000" dirty="0"/>
+            <a:endParaRPr lang="en-US" sz="2000" dirty="0">
+              <a:latin typeface="Times New Roman" panose="02020603050405020304" pitchFamily="18" charset="0"/>
+              <a:cs typeface="Times New Roman" panose="02020603050405020304" pitchFamily="18" charset="0"/>
+            </a:endParaRPr>
           </a:p>
           <a:p>
             <a:pPr lvl="1">
@@ -14625,7 +14682,10 @@
               <a:buChar char="§"/>
             </a:pPr>
             <a:r>
-              <a:rPr lang="en-US" sz="2000" dirty="0"/>
+              <a:rPr lang="en-US" sz="2000" dirty="0">
+                <a:latin typeface="Times New Roman" panose="02020603050405020304" pitchFamily="18" charset="0"/>
+                <a:cs typeface="Times New Roman" panose="02020603050405020304" pitchFamily="18" charset="0"/>
+              </a:rPr>
               <a:t>ASCII</a:t>
             </a:r>
           </a:p>
@@ -14945,7 +15005,10 @@
           <a:lstStyle/>
           <a:p>
             <a:r>
-              <a:rPr lang="it-CH" dirty="0"/>
+              <a:rPr lang="it-CH" dirty="0">
+                <a:latin typeface="Times New Roman" panose="02020603050405020304" pitchFamily="18" charset="0"/>
+                <a:cs typeface="Times New Roman" panose="02020603050405020304" pitchFamily="18" charset="0"/>
+              </a:rPr>
               <a:t>Pianificazione</a:t>
             </a:r>
           </a:p>
@@ -15260,7 +15323,10 @@
           <a:lstStyle/>
           <a:p>
             <a:r>
-              <a:rPr lang="it-CH" sz="4000"/>
+              <a:rPr lang="it-CH" sz="4000" dirty="0">
+                <a:latin typeface="Times New Roman" panose="02020603050405020304" pitchFamily="18" charset="0"/>
+                <a:cs typeface="Times New Roman" panose="02020603050405020304" pitchFamily="18" charset="0"/>
+              </a:rPr>
               <a:t>Risultati</a:t>
             </a:r>
           </a:p>
@@ -15299,7 +15365,10 @@
               <a:buChar char="o"/>
             </a:pPr>
             <a:r>
-              <a:rPr lang="it-CH" sz="2000" dirty="0"/>
+              <a:rPr lang="it-CH" sz="2000" dirty="0">
+                <a:latin typeface="Times New Roman" panose="02020603050405020304" pitchFamily="18" charset="0"/>
+                <a:cs typeface="Times New Roman" panose="02020603050405020304" pitchFamily="18" charset="0"/>
+              </a:rPr>
               <a:t>Funziona</a:t>
             </a:r>
           </a:p>
@@ -15309,10 +15378,16 @@
               <a:buChar char="o"/>
             </a:pPr>
             <a:r>
-              <a:rPr lang="it-CH" sz="2000" dirty="0" err="1"/>
+              <a:rPr lang="it-CH" sz="2000" dirty="0" err="1">
+                <a:latin typeface="Times New Roman" panose="02020603050405020304" pitchFamily="18" charset="0"/>
+                <a:cs typeface="Times New Roman" panose="02020603050405020304" pitchFamily="18" charset="0"/>
+              </a:rPr>
               <a:t>Modalita</a:t>
             </a:r>
-            <a:endParaRPr lang="it-CH" sz="2000" dirty="0"/>
+            <a:endParaRPr lang="it-CH" sz="2000" dirty="0">
+              <a:latin typeface="Times New Roman" panose="02020603050405020304" pitchFamily="18" charset="0"/>
+              <a:cs typeface="Times New Roman" panose="02020603050405020304" pitchFamily="18" charset="0"/>
+            </a:endParaRPr>
           </a:p>
           <a:p>
             <a:pPr lvl="1">
@@ -15320,7 +15395,10 @@
               <a:buChar char="o"/>
             </a:pPr>
             <a:r>
-              <a:rPr lang="it-CH" sz="1600" dirty="0"/>
+              <a:rPr lang="it-CH" sz="1600" dirty="0">
+                <a:latin typeface="Times New Roman" panose="02020603050405020304" pitchFamily="18" charset="0"/>
+                <a:cs typeface="Times New Roman" panose="02020603050405020304" pitchFamily="18" charset="0"/>
+              </a:rPr>
               <a:t>Sia GUI</a:t>
             </a:r>
           </a:p>
@@ -15330,7 +15408,10 @@
               <a:buChar char="o"/>
             </a:pPr>
             <a:r>
-              <a:rPr lang="it-CH" sz="1600" dirty="0"/>
+              <a:rPr lang="it-CH" sz="1600" dirty="0">
+                <a:latin typeface="Times New Roman" panose="02020603050405020304" pitchFamily="18" charset="0"/>
+                <a:cs typeface="Times New Roman" panose="02020603050405020304" pitchFamily="18" charset="0"/>
+              </a:rPr>
               <a:t>Che terminale</a:t>
             </a:r>
           </a:p>
@@ -15340,7 +15421,10 @@
               <a:buChar char="o"/>
             </a:pPr>
             <a:r>
-              <a:rPr lang="it-CH" sz="2000" dirty="0"/>
+              <a:rPr lang="it-CH" sz="2000" dirty="0">
+                <a:latin typeface="Times New Roman" panose="02020603050405020304" pitchFamily="18" charset="0"/>
+                <a:cs typeface="Times New Roman" panose="02020603050405020304" pitchFamily="18" charset="0"/>
+              </a:rPr>
               <a:t>Tema dark e light + auto</a:t>
             </a:r>
           </a:p>
@@ -15350,7 +15434,10 @@
               <a:buChar char="o"/>
             </a:pPr>
             <a:r>
-              <a:rPr lang="it-CH" sz="2000" dirty="0"/>
+              <a:rPr lang="it-CH" sz="2000" dirty="0">
+                <a:latin typeface="Times New Roman" panose="02020603050405020304" pitchFamily="18" charset="0"/>
+                <a:cs typeface="Times New Roman" panose="02020603050405020304" pitchFamily="18" charset="0"/>
+              </a:rPr>
               <a:t>compilato</a:t>
             </a:r>
           </a:p>
@@ -15672,7 +15759,7 @@
             <p:ph idx="1"/>
             <p:extLst>
               <p:ext uri="{D42A27DB-BD31-4B8C-83A1-F6EECF244321}">
-                <p14:modId xmlns:p14="http://schemas.microsoft.com/office/powerpoint/2010/main" val="2513158058"/>
+                <p14:modId xmlns:p14="http://schemas.microsoft.com/office/powerpoint/2010/main" val="3604274467"/>
               </p:ext>
             </p:extLst>
           </p:nvPr>
@@ -15793,6 +15880,7 @@
                           <a:solidFill>
                             <a:schemeClr val="accent6"/>
                           </a:solidFill>
+                          <a:latin typeface="Comic Sans MS" panose="030F0702030302020204" pitchFamily="66" charset="0"/>
                         </a:rPr>
                         <a:t>Passato</a:t>
                       </a:r>
@@ -15843,6 +15931,7 @@
                           <a:solidFill>
                             <a:schemeClr val="accent6"/>
                           </a:solidFill>
+                          <a:latin typeface="Comic Sans MS" panose="030F0702030302020204" pitchFamily="66" charset="0"/>
                         </a:rPr>
                         <a:t>Passato</a:t>
                       </a:r>
@@ -15893,6 +15982,7 @@
                           <a:solidFill>
                             <a:schemeClr val="accent6"/>
                           </a:solidFill>
+                          <a:latin typeface="Comic Sans MS" panose="030F0702030302020204" pitchFamily="66" charset="0"/>
                         </a:rPr>
                         <a:t>Passato</a:t>
                       </a:r>
@@ -15943,6 +16033,7 @@
                           <a:solidFill>
                             <a:schemeClr val="accent6"/>
                           </a:solidFill>
+                          <a:latin typeface="Comic Sans MS" panose="030F0702030302020204" pitchFamily="66" charset="0"/>
                         </a:rPr>
                         <a:t>Passato</a:t>
                       </a:r>
@@ -15993,6 +16084,7 @@
                           <a:solidFill>
                             <a:schemeClr val="accent6"/>
                           </a:solidFill>
+                          <a:latin typeface="Comic Sans MS" panose="030F0702030302020204" pitchFamily="66" charset="0"/>
                         </a:rPr>
                         <a:t>Passato</a:t>
                       </a:r>
@@ -16043,6 +16135,7 @@
                           <a:solidFill>
                             <a:schemeClr val="accent6"/>
                           </a:solidFill>
+                          <a:latin typeface="Comic Sans MS" panose="030F0702030302020204" pitchFamily="66" charset="0"/>
                         </a:rPr>
                         <a:t>Passato</a:t>
                       </a:r>
@@ -16093,6 +16186,7 @@
                           <a:solidFill>
                             <a:srgbClr val="FF0000"/>
                           </a:solidFill>
+                          <a:latin typeface="Comic Sans MS" panose="030F0702030302020204" pitchFamily="66" charset="0"/>
                         </a:rPr>
                         <a:t>Fallito</a:t>
                       </a:r>
